--- a/SkulTheHeroSlayer_Yonatan.pptx
+++ b/SkulTheHeroSlayer_Yonatan.pptx
@@ -13,8 +13,9 @@
     <p:sldId id="261" r:id="rId7"/>
     <p:sldId id="262" r:id="rId8"/>
     <p:sldId id="263" r:id="rId9"/>
-    <p:sldId id="264" r:id="rId10"/>
-    <p:sldId id="265" r:id="rId11"/>
+    <p:sldId id="266" r:id="rId10"/>
+    <p:sldId id="264" r:id="rId11"/>
+    <p:sldId id="265" r:id="rId12"/>
   </p:sldIdLst>
   <p:sldSz cx="12192000" cy="6858000"/>
   <p:notesSz cx="6858000" cy="9144000"/>
@@ -113,6 +114,11 @@
       </a:defRPr>
     </a:lvl9pPr>
   </p:defaultTextStyle>
+  <p:extLst>
+    <p:ext uri="{EFAFB233-063F-42B5-8137-9DF3F51BA10A}">
+      <p15:sldGuideLst xmlns:p15="http://schemas.microsoft.com/office/powerpoint/2012/main"/>
+    </p:ext>
+  </p:extLst>
 </p:presentation>
 </file>
 
@@ -3434,6 +3440,184 @@
         <p:cNvPr id="1" name="">
           <a:extLst>
             <a:ext uri="{FF2B5EF4-FFF2-40B4-BE49-F238E27FC236}">
+              <a16:creationId xmlns:a16="http://schemas.microsoft.com/office/drawing/2014/main" id="{F8008B41-7A1C-EFA3-83A9-9EE95BA71342}"/>
+            </a:ext>
+          </a:extLst>
+        </p:cNvPr>
+        <p:cNvGrpSpPr/>
+        <p:nvPr/>
+      </p:nvGrpSpPr>
+      <p:grpSpPr>
+        <a:xfrm>
+          <a:off x="0" y="0"/>
+          <a:ext cx="0" cy="0"/>
+          <a:chOff x="0" y="0"/>
+          <a:chExt cx="0" cy="0"/>
+        </a:xfrm>
+      </p:grpSpPr>
+      <p:sp>
+        <p:nvSpPr>
+          <p:cNvPr id="2" name="Title 1">
+            <a:extLst>
+              <a:ext uri="{FF2B5EF4-FFF2-40B4-BE49-F238E27FC236}">
+                <a16:creationId xmlns:a16="http://schemas.microsoft.com/office/drawing/2014/main" id="{AC3E0D33-CCD8-5270-C6F2-085EB6825AF4}"/>
+              </a:ext>
+            </a:extLst>
+          </p:cNvPr>
+          <p:cNvSpPr>
+            <a:spLocks noGrp="1"/>
+          </p:cNvSpPr>
+          <p:nvPr>
+            <p:ph type="title"/>
+          </p:nvPr>
+        </p:nvSpPr>
+        <p:spPr/>
+        <p:txBody>
+          <a:bodyPr/>
+          <a:lstStyle/>
+          <a:p>
+            <a:pPr algn="ctr" rtl="1"/>
+            <a:r>
+              <a:rPr lang="he-IL" dirty="0"/>
+              <a:t>עולם</a:t>
+            </a:r>
+            <a:endParaRPr lang="en-IL" dirty="0"/>
+          </a:p>
+        </p:txBody>
+      </p:sp>
+      <p:sp>
+        <p:nvSpPr>
+          <p:cNvPr id="3" name="TextBox 2">
+            <a:extLst>
+              <a:ext uri="{FF2B5EF4-FFF2-40B4-BE49-F238E27FC236}">
+                <a16:creationId xmlns:a16="http://schemas.microsoft.com/office/drawing/2014/main" id="{C422D4CE-0EF3-EAC7-3268-781A05B204A1}"/>
+              </a:ext>
+            </a:extLst>
+          </p:cNvPr>
+          <p:cNvSpPr txBox="1"/>
+          <p:nvPr/>
+        </p:nvSpPr>
+        <p:spPr>
+          <a:xfrm>
+            <a:off x="319596" y="1464816"/>
+            <a:ext cx="11603115" cy="2308324"/>
+          </a:xfrm>
+          <a:prstGeom prst="rect">
+            <a:avLst/>
+          </a:prstGeom>
+          <a:noFill/>
+        </p:spPr>
+        <p:txBody>
+          <a:bodyPr wrap="square" rtlCol="0">
+            <a:spAutoFit/>
+          </a:bodyPr>
+          <a:lstStyle/>
+          <a:p>
+            <a:pPr algn="r" rtl="1" fontAlgn="base">
+              <a:spcBef>
+                <a:spcPts val="0"/>
+              </a:spcBef>
+              <a:spcAft>
+                <a:spcPts val="0"/>
+              </a:spcAft>
+              <a:buFont typeface="Arial" panose="020B0604020202020204" pitchFamily="34" charset="0"/>
+              <a:buChar char="•"/>
+            </a:pPr>
+            <a:r>
+              <a:rPr lang="he-IL" sz="1800" b="0" i="0" u="none" strike="noStrike" dirty="0">
+                <a:solidFill>
+                  <a:srgbClr val="000000"/>
+                </a:solidFill>
+                <a:effectLst/>
+                <a:latin typeface="Arial" panose="020B0604020202020204" pitchFamily="34" charset="0"/>
+              </a:rPr>
+              <a:t> המשחק סובב כמעט לגמרי סביב המצב הגיאופוליטי של בני האדם ממלכת קרלאון וממלכת השדים, אנחנו מבינים שהם יחסית קרובים גיאוגרפית שכן הם מתנגשים לעיתים קרובות אבל אין לנו מדד של איך בדיוק וכמה (אין מפה), עם התקדמות הסיפור אנחנו לומדים יותר על ההיסטוריה של הקונפליקט אבל לא מעבר, יש מעט מאוד אזכורים של כלכלה (למעשה זאת פיסת דיאלוג אחת בכל המשחק הקשורה לתחרות על ענתיקות), ישנם כמה יכולות של </a:t>
+            </a:r>
+            <a:r>
+              <a:rPr lang="en-US" sz="1800" b="0" i="0" u="none" strike="noStrike" dirty="0" err="1">
+                <a:solidFill>
+                  <a:srgbClr val="000000"/>
+                </a:solidFill>
+                <a:effectLst/>
+                <a:latin typeface="Arial" panose="020B0604020202020204" pitchFamily="34" charset="0"/>
+              </a:rPr>
+              <a:t>Skul</a:t>
+            </a:r>
+            <a:r>
+              <a:rPr lang="he-IL" sz="1800" b="0" i="0" u="none" strike="noStrike" dirty="0">
+                <a:solidFill>
+                  <a:srgbClr val="000000"/>
+                </a:solidFill>
+                <a:effectLst/>
+                <a:latin typeface="Arial" panose="020B0604020202020204" pitchFamily="34" charset="0"/>
+              </a:rPr>
+              <a:t> ששוברות את חוקי הטבע שאנחנו מכירים שקשורות להיותו שלד חי שמוסברות בחלקן ע"י דמויות במשחק.</a:t>
+            </a:r>
+          </a:p>
+          <a:p>
+            <a:pPr algn="r" rtl="1" fontAlgn="base">
+              <a:spcBef>
+                <a:spcPts val="0"/>
+              </a:spcBef>
+              <a:spcAft>
+                <a:spcPts val="0"/>
+              </a:spcAft>
+              <a:buFont typeface="Arial" panose="020B0604020202020204" pitchFamily="34" charset="0"/>
+              <a:buChar char="•"/>
+            </a:pPr>
+            <a:endParaRPr lang="he-IL" sz="1800" b="0" i="0" u="none" strike="noStrike" dirty="0">
+              <a:solidFill>
+                <a:srgbClr val="000000"/>
+              </a:solidFill>
+              <a:effectLst/>
+              <a:latin typeface="Arial" panose="020B0604020202020204" pitchFamily="34" charset="0"/>
+            </a:endParaRPr>
+          </a:p>
+          <a:p>
+            <a:pPr algn="r" rtl="1" fontAlgn="base">
+              <a:spcBef>
+                <a:spcPts val="0"/>
+              </a:spcBef>
+              <a:spcAft>
+                <a:spcPts val="0"/>
+              </a:spcAft>
+              <a:buFont typeface="Arial" panose="020B0604020202020204" pitchFamily="34" charset="0"/>
+              <a:buChar char="•"/>
+            </a:pPr>
+            <a:r>
+              <a:rPr lang="he-IL" sz="1800" b="0" i="0" u="none" strike="noStrike" dirty="0">
+                <a:solidFill>
+                  <a:srgbClr val="000000"/>
+                </a:solidFill>
+                <a:effectLst/>
+                <a:latin typeface="Arial" panose="020B0604020202020204" pitchFamily="34" charset="0"/>
+              </a:rPr>
+              <a:t> השחקן לומד על העולם בעיקר בסיפור, ישנם גם מכתבים שניתן למצוא שמגלים פרטים יותר מסוימים על דברים מהותיים במשחק, וחלק קטן יחסית מהדיאלוג מכיל מידע שקשור בכלל לעולם.</a:t>
+            </a:r>
+          </a:p>
+        </p:txBody>
+      </p:sp>
+    </p:spTree>
+    <p:extLst>
+      <p:ext uri="{BB962C8B-B14F-4D97-AF65-F5344CB8AC3E}">
+        <p14:creationId xmlns:p14="http://schemas.microsoft.com/office/powerpoint/2010/main" val="1245910767"/>
+      </p:ext>
+    </p:extLst>
+  </p:cSld>
+  <p:clrMapOvr>
+    <a:masterClrMapping/>
+  </p:clrMapOvr>
+</p:sld>
+</file>
+
+<file path=ppt/slides/slide11.xml><?xml version="1.0" encoding="utf-8"?>
+<p:sld xmlns:a="http://schemas.openxmlformats.org/drawingml/2006/main" xmlns:r="http://schemas.openxmlformats.org/officeDocument/2006/relationships" xmlns:p="http://schemas.openxmlformats.org/presentationml/2006/main">
+  <p:cSld>
+    <p:spTree>
+      <p:nvGrpSpPr>
+        <p:cNvPr id="1" name="">
+          <a:extLst>
+            <a:ext uri="{FF2B5EF4-FFF2-40B4-BE49-F238E27FC236}">
               <a16:creationId xmlns:a16="http://schemas.microsoft.com/office/drawing/2014/main" id="{B4FE946E-6BDB-D927-6F8A-24097FAD818F}"/>
             </a:ext>
           </a:extLst>
@@ -5435,12 +5619,20 @@
 <file path=ppt/slides/slide9.xml><?xml version="1.0" encoding="utf-8"?>
 <p:sld xmlns:a="http://schemas.openxmlformats.org/drawingml/2006/main" xmlns:r="http://schemas.openxmlformats.org/officeDocument/2006/relationships" xmlns:p="http://schemas.openxmlformats.org/presentationml/2006/main">
   <p:cSld>
+    <p:bg>
+      <p:bgPr>
+        <a:solidFill>
+          <a:schemeClr val="bg1"/>
+        </a:solidFill>
+        <a:effectLst/>
+      </p:bgPr>
+    </p:bg>
     <p:spTree>
       <p:nvGrpSpPr>
         <p:cNvPr id="1" name="">
           <a:extLst>
             <a:ext uri="{FF2B5EF4-FFF2-40B4-BE49-F238E27FC236}">
-              <a16:creationId xmlns:a16="http://schemas.microsoft.com/office/drawing/2014/main" id="{F8008B41-7A1C-EFA3-83A9-9EE95BA71342}"/>
+              <a16:creationId xmlns:a16="http://schemas.microsoft.com/office/drawing/2014/main" id="{3EEF7FB4-D75F-83CD-3F9E-B8B4091A1081}"/>
             </a:ext>
           </a:extLst>
         </p:cNvPr>
@@ -5457,10 +5649,76 @@
       </p:grpSpPr>
       <p:sp>
         <p:nvSpPr>
+          <p:cNvPr id="15" name="Down Arrow 7">
+            <a:extLst>
+              <a:ext uri="{FF2B5EF4-FFF2-40B4-BE49-F238E27FC236}">
+                <a16:creationId xmlns:a16="http://schemas.microsoft.com/office/drawing/2014/main" id="{D4771268-CB57-404A-9271-370EB28F6090}"/>
+              </a:ext>
+              <a:ext uri="{C183D7F6-B498-43B3-948B-1728B52AA6E4}">
+                <adec:decorative xmlns:adec="http://schemas.microsoft.com/office/drawing/2017/decorative" val="1"/>
+              </a:ext>
+            </a:extLst>
+          </p:cNvPr>
+          <p:cNvSpPr>
+            <a:spLocks noGrp="1" noRot="1" noChangeAspect="1" noMove="1" noResize="1" noEditPoints="1" noAdjustHandles="1" noChangeArrowheads="1" noChangeShapeType="1" noTextEdit="1"/>
+          </p:cNvSpPr>
+          <p:nvPr>
+            <p:extLst>
+              <p:ext uri="{386F3935-93C4-4BCD-93E2-E3B085C9AB24}">
+                <p16:designElem xmlns:p16="http://schemas.microsoft.com/office/powerpoint/2015/main" val="1"/>
+              </p:ext>
+            </p:extLst>
+          </p:nvPr>
+        </p:nvSpPr>
+        <p:spPr>
+          <a:xfrm rot="16200000">
+            <a:off x="800100" y="1491343"/>
+            <a:ext cx="3333749" cy="3499103"/>
+          </a:xfrm>
+          <a:prstGeom prst="downArrow">
+            <a:avLst>
+              <a:gd name="adj1" fmla="val 100000"/>
+              <a:gd name="adj2" fmla="val 15788"/>
+            </a:avLst>
+          </a:prstGeom>
+          <a:solidFill>
+            <a:srgbClr val="404040"/>
+          </a:solidFill>
+          <a:ln w="53975">
+            <a:noFill/>
+          </a:ln>
+        </p:spPr>
+        <p:style>
+          <a:lnRef idx="2">
+            <a:schemeClr val="accent1">
+              <a:shade val="50000"/>
+            </a:schemeClr>
+          </a:lnRef>
+          <a:fillRef idx="1">
+            <a:schemeClr val="accent1"/>
+          </a:fillRef>
+          <a:effectRef idx="0">
+            <a:schemeClr val="accent1"/>
+          </a:effectRef>
+          <a:fontRef idx="minor">
+            <a:schemeClr val="lt1"/>
+          </a:fontRef>
+        </p:style>
+        <p:txBody>
+          <a:bodyPr rtlCol="0" anchor="ctr"/>
+          <a:lstStyle/>
+          <a:p>
+            <a:pPr algn="ctr"/>
+            <a:endParaRPr lang="en-US"/>
+          </a:p>
+        </p:txBody>
+      </p:sp>
+      <p:sp>
+        <p:nvSpPr>
           <p:cNvPr id="2" name="Title 1">
             <a:extLst>
               <a:ext uri="{FF2B5EF4-FFF2-40B4-BE49-F238E27FC236}">
-                <a16:creationId xmlns:a16="http://schemas.microsoft.com/office/drawing/2014/main" id="{AC3E0D33-CCD8-5270-C6F2-085EB6825AF4}"/>
+                <a16:creationId xmlns:a16="http://schemas.microsoft.com/office/drawing/2014/main" id="{4CF9E9D8-3086-F09B-FECA-1CE98C33D8D8}"/>
               </a:ext>
             </a:extLst>
           </p:cNvPr>
@@ -5471,26 +5729,78 @@
             <p:ph type="title"/>
           </p:nvPr>
         </p:nvSpPr>
-        <p:spPr/>
-        <p:txBody>
-          <a:bodyPr/>
+        <p:spPr>
+          <a:xfrm>
+            <a:off x="1028700" y="1967266"/>
+            <a:ext cx="2628900" cy="2547257"/>
+          </a:xfrm>
+          <a:noFill/>
+        </p:spPr>
+        <p:txBody>
+          <a:bodyPr anchor="ctr">
+            <a:normAutofit/>
+          </a:bodyPr>
           <a:lstStyle/>
           <a:p>
             <a:pPr algn="ctr" rtl="1"/>
             <a:r>
-              <a:rPr lang="he-IL" dirty="0"/>
-              <a:t>עולם</a:t>
-            </a:r>
-            <a:endParaRPr lang="en-IL" dirty="0"/>
-          </a:p>
-        </p:txBody>
-      </p:sp>
+              <a:rPr lang="he-IL" sz="3600">
+                <a:solidFill>
+                  <a:srgbClr val="FFFFFF"/>
+                </a:solidFill>
+              </a:rPr>
+              <a:t>קו דרמטי</a:t>
+            </a:r>
+            <a:endParaRPr lang="en-IL" sz="3600">
+              <a:solidFill>
+                <a:srgbClr val="FFFFFF"/>
+              </a:solidFill>
+            </a:endParaRPr>
+          </a:p>
+        </p:txBody>
+      </p:sp>
+      <p:pic>
+        <p:nvPicPr>
+          <p:cNvPr id="5" name="Picture 4" descr="A graph with text on it&#10;&#10;Description automatically generated">
+            <a:extLst>
+              <a:ext uri="{FF2B5EF4-FFF2-40B4-BE49-F238E27FC236}">
+                <a16:creationId xmlns:a16="http://schemas.microsoft.com/office/drawing/2014/main" id="{1642B72A-4530-89A1-2724-DE77C71EF187}"/>
+              </a:ext>
+            </a:extLst>
+          </p:cNvPr>
+          <p:cNvPicPr>
+            <a:picLocks noChangeAspect="1"/>
+          </p:cNvPicPr>
+          <p:nvPr/>
+        </p:nvPicPr>
+        <p:blipFill>
+          <a:blip r:embed="rId2">
+            <a:extLst>
+              <a:ext uri="{28A0092B-C50C-407E-A947-70E740481C1C}">
+                <a14:useLocalDpi xmlns:a14="http://schemas.microsoft.com/office/drawing/2010/main" val="0"/>
+              </a:ext>
+            </a:extLst>
+          </a:blip>
+          <a:stretch>
+            <a:fillRect/>
+          </a:stretch>
+        </p:blipFill>
+        <p:spPr>
+          <a:xfrm>
+            <a:off x="4777316" y="1495336"/>
+            <a:ext cx="6780700" cy="3864998"/>
+          </a:xfrm>
+          <a:prstGeom prst="rect">
+            <a:avLst/>
+          </a:prstGeom>
+        </p:spPr>
+      </p:pic>
       <p:sp>
         <p:nvSpPr>
           <p:cNvPr id="3" name="TextBox 2">
             <a:extLst>
               <a:ext uri="{FF2B5EF4-FFF2-40B4-BE49-F238E27FC236}">
-                <a16:creationId xmlns:a16="http://schemas.microsoft.com/office/drawing/2014/main" id="{C422D4CE-0EF3-EAC7-3268-781A05B204A1}"/>
+                <a16:creationId xmlns:a16="http://schemas.microsoft.com/office/drawing/2014/main" id="{5B7B59AD-46E1-35FA-9787-5E94526E37CD}"/>
               </a:ext>
             </a:extLst>
           </p:cNvPr>
@@ -5500,7 +5810,7 @@
         <p:spPr>
           <a:xfrm>
             <a:off x="319596" y="1464816"/>
-            <a:ext cx="11603115" cy="2308324"/>
+            <a:ext cx="11603115" cy="646331"/>
           </a:xfrm>
           <a:prstGeom prst="rect">
             <a:avLst/>
@@ -5518,54 +5828,13 @@
                 <a:spcPts val="0"/>
               </a:spcBef>
               <a:spcAft>
-                <a:spcPts val="0"/>
+                <a:spcPts val="600"/>
               </a:spcAft>
-              <a:buFont typeface="Arial" panose="020B0604020202020204" pitchFamily="34" charset="0"/>
-              <a:buChar char="•"/>
             </a:pPr>
-            <a:r>
-              <a:rPr lang="he-IL" sz="1800" b="0" i="0" u="none" strike="noStrike" dirty="0">
-                <a:solidFill>
-                  <a:srgbClr val="000000"/>
-                </a:solidFill>
-                <a:effectLst/>
-                <a:latin typeface="Arial" panose="020B0604020202020204" pitchFamily="34" charset="0"/>
-              </a:rPr>
-              <a:t> המשחק סובב כמעט לגמרי סביב המצב הגיאופוליטי של בני האדם ממלכת קרלאון וממלכת השדים, אנחנו מבינים שהם יחסית קרובים גיאוגרפית שכן הם מתנגשים לעיתים קרובות אבל אין לנו מדד של איך בדיוק וכמה (אין מפה), עם התקדמות הסיפור אנחנו לומדים יותר על ההיסטוריה של הקונפליקט אבל לא מעבר, יש מעט מאוד אזכורים של כלכלה (למעשה זאת פיסת דיאלוג אחת בכל המשחק הקשורה לתחרות על ענתיקות), ישנם כמה יכולות של </a:t>
-            </a:r>
-            <a:r>
-              <a:rPr lang="en-US" sz="1800" b="0" i="0" u="none" strike="noStrike" dirty="0" err="1">
-                <a:solidFill>
-                  <a:srgbClr val="000000"/>
-                </a:solidFill>
-                <a:effectLst/>
-                <a:latin typeface="Arial" panose="020B0604020202020204" pitchFamily="34" charset="0"/>
-              </a:rPr>
-              <a:t>Skul</a:t>
-            </a:r>
-            <a:r>
-              <a:rPr lang="he-IL" sz="1800" b="0" i="0" u="none" strike="noStrike" dirty="0">
-                <a:solidFill>
-                  <a:srgbClr val="000000"/>
-                </a:solidFill>
-                <a:effectLst/>
-                <a:latin typeface="Arial" panose="020B0604020202020204" pitchFamily="34" charset="0"/>
-              </a:rPr>
-              <a:t> ששוברות את חוקי הטבע שאנחנו מכירים שקשורות להיותו שלד חי שמוסברות בחלקן ע"י דמויות במשחק.</a:t>
-            </a:r>
-          </a:p>
-          <a:p>
-            <a:pPr algn="r" rtl="1" fontAlgn="base">
-              <a:spcBef>
-                <a:spcPts val="0"/>
-              </a:spcBef>
-              <a:spcAft>
-                <a:spcPts val="0"/>
-              </a:spcAft>
-              <a:buFont typeface="Arial" panose="020B0604020202020204" pitchFamily="34" charset="0"/>
-              <a:buChar char="•"/>
-            </a:pPr>
-            <a:endParaRPr lang="he-IL" sz="1800" b="0" i="0" u="none" strike="noStrike" dirty="0">
+            <a:br>
+              <a:rPr lang="en-US" dirty="0"/>
+            </a:br>
+            <a:endParaRPr lang="he-IL" b="0" i="0" u="none" strike="noStrike">
               <a:solidFill>
                 <a:srgbClr val="000000"/>
               </a:solidFill>
@@ -5573,34 +5842,12 @@
               <a:latin typeface="Arial" panose="020B0604020202020204" pitchFamily="34" charset="0"/>
             </a:endParaRPr>
           </a:p>
-          <a:p>
-            <a:pPr algn="r" rtl="1" fontAlgn="base">
-              <a:spcBef>
-                <a:spcPts val="0"/>
-              </a:spcBef>
-              <a:spcAft>
-                <a:spcPts val="0"/>
-              </a:spcAft>
-              <a:buFont typeface="Arial" panose="020B0604020202020204" pitchFamily="34" charset="0"/>
-              <a:buChar char="•"/>
-            </a:pPr>
-            <a:r>
-              <a:rPr lang="he-IL" sz="1800" b="0" i="0" u="none" strike="noStrike" dirty="0">
-                <a:solidFill>
-                  <a:srgbClr val="000000"/>
-                </a:solidFill>
-                <a:effectLst/>
-                <a:latin typeface="Arial" panose="020B0604020202020204" pitchFamily="34" charset="0"/>
-              </a:rPr>
-              <a:t> השחקן לומד על העולם בעיקר בסיפור, ישנם גם מכתבים שניתן למצוא שמגלים פרטים יותר מסוימים על דברים מהותיים במשחק, וחלק קטן יחסית מהדיאלוג מכיל מידע שקשור בכלל לעולם.</a:t>
-            </a:r>
-          </a:p>
         </p:txBody>
       </p:sp>
     </p:spTree>
     <p:extLst>
       <p:ext uri="{BB962C8B-B14F-4D97-AF65-F5344CB8AC3E}">
-        <p14:creationId xmlns:p14="http://schemas.microsoft.com/office/powerpoint/2010/main" val="1245910767"/>
+        <p14:creationId xmlns:p14="http://schemas.microsoft.com/office/powerpoint/2010/main" val="100593114"/>
       </p:ext>
     </p:extLst>
   </p:cSld>
